--- a/java.pptx
+++ b/java.pptx
@@ -13,6 +13,7 @@
     <p:sldId id="261" r:id="rId7"/>
     <p:sldId id="262" r:id="rId8"/>
     <p:sldId id="263" r:id="rId9"/>
+    <p:sldId id="264" r:id="rId10"/>
   </p:sldIdLst>
   <p:sldSz cx="9144000" cy="6858000" type="screen4x3"/>
   <p:notesSz cx="6858000" cy="9144000"/>
@@ -111,6 +112,22 @@
       </a:defRPr>
     </a:lvl9pPr>
   </p:defaultTextStyle>
+  <p:extLst>
+    <p:ext uri="{EFAFB233-063F-42B5-8137-9DF3F51BA10A}">
+      <p15:sldGuideLst xmlns:p15="http://schemas.microsoft.com/office/powerpoint/2012/main">
+        <p15:guide id="1" orient="horz" pos="2160">
+          <p15:clr>
+            <a:srgbClr val="A4A3A4"/>
+          </p15:clr>
+        </p15:guide>
+        <p15:guide id="2" pos="2880">
+          <p15:clr>
+            <a:srgbClr val="A4A3A4"/>
+          </p15:clr>
+        </p15:guide>
+      </p15:sldGuideLst>
+    </p:ext>
+  </p:extLst>
 </p:presentation>
 </file>
 
@@ -296,7 +313,7 @@
             <a:fld id="{51E4D158-6E65-44D2-8A8C-4515582E3B34}" type="datetimeFigureOut">
               <a:rPr lang="cs-CZ" smtClean="0"/>
               <a:pPr/>
-              <a:t>10.12.2017</a:t>
+              <a:t>11.12.2017</a:t>
             </a:fld>
             <a:endParaRPr lang="cs-CZ"/>
           </a:p>
@@ -348,7 +365,7 @@
     </p:spTree>
     <p:extLst>
       <p:ext uri="{BB962C8B-B14F-4D97-AF65-F5344CB8AC3E}">
-        <p14:creationId xmlns:p14="http://schemas.microsoft.com/office/powerpoint/2010/main" xmlns="" val="690053516"/>
+        <p14:creationId xmlns:p14="http://schemas.microsoft.com/office/powerpoint/2010/main" val="690053516"/>
       </p:ext>
     </p:extLst>
   </p:cSld>
@@ -468,7 +485,7 @@
             <a:fld id="{51E4D158-6E65-44D2-8A8C-4515582E3B34}" type="datetimeFigureOut">
               <a:rPr lang="cs-CZ" smtClean="0"/>
               <a:pPr/>
-              <a:t>10.12.2017</a:t>
+              <a:t>11.12.2017</a:t>
             </a:fld>
             <a:endParaRPr lang="cs-CZ"/>
           </a:p>
@@ -520,7 +537,7 @@
     </p:spTree>
     <p:extLst>
       <p:ext uri="{BB962C8B-B14F-4D97-AF65-F5344CB8AC3E}">
-        <p14:creationId xmlns:p14="http://schemas.microsoft.com/office/powerpoint/2010/main" xmlns="" val="1146540849"/>
+        <p14:creationId xmlns:p14="http://schemas.microsoft.com/office/powerpoint/2010/main" val="1146540849"/>
       </p:ext>
     </p:extLst>
   </p:cSld>
@@ -650,7 +667,7 @@
             <a:fld id="{51E4D158-6E65-44D2-8A8C-4515582E3B34}" type="datetimeFigureOut">
               <a:rPr lang="cs-CZ" smtClean="0"/>
               <a:pPr/>
-              <a:t>10.12.2017</a:t>
+              <a:t>11.12.2017</a:t>
             </a:fld>
             <a:endParaRPr lang="cs-CZ"/>
           </a:p>
@@ -702,7 +719,7 @@
     </p:spTree>
     <p:extLst>
       <p:ext uri="{BB962C8B-B14F-4D97-AF65-F5344CB8AC3E}">
-        <p14:creationId xmlns:p14="http://schemas.microsoft.com/office/powerpoint/2010/main" xmlns="" val="1575579932"/>
+        <p14:creationId xmlns:p14="http://schemas.microsoft.com/office/powerpoint/2010/main" val="1575579932"/>
       </p:ext>
     </p:extLst>
   </p:cSld>
@@ -822,7 +839,7 @@
             <a:fld id="{51E4D158-6E65-44D2-8A8C-4515582E3B34}" type="datetimeFigureOut">
               <a:rPr lang="cs-CZ" smtClean="0"/>
               <a:pPr/>
-              <a:t>10.12.2017</a:t>
+              <a:t>11.12.2017</a:t>
             </a:fld>
             <a:endParaRPr lang="cs-CZ"/>
           </a:p>
@@ -874,7 +891,7 @@
     </p:spTree>
     <p:extLst>
       <p:ext uri="{BB962C8B-B14F-4D97-AF65-F5344CB8AC3E}">
-        <p14:creationId xmlns:p14="http://schemas.microsoft.com/office/powerpoint/2010/main" xmlns="" val="3131221681"/>
+        <p14:creationId xmlns:p14="http://schemas.microsoft.com/office/powerpoint/2010/main" val="3131221681"/>
       </p:ext>
     </p:extLst>
   </p:cSld>
@@ -1070,7 +1087,7 @@
             <a:fld id="{51E4D158-6E65-44D2-8A8C-4515582E3B34}" type="datetimeFigureOut">
               <a:rPr lang="cs-CZ" smtClean="0"/>
               <a:pPr/>
-              <a:t>10.12.2017</a:t>
+              <a:t>11.12.2017</a:t>
             </a:fld>
             <a:endParaRPr lang="cs-CZ"/>
           </a:p>
@@ -1122,7 +1139,7 @@
     </p:spTree>
     <p:extLst>
       <p:ext uri="{BB962C8B-B14F-4D97-AF65-F5344CB8AC3E}">
-        <p14:creationId xmlns:p14="http://schemas.microsoft.com/office/powerpoint/2010/main" xmlns="" val="4264414276"/>
+        <p14:creationId xmlns:p14="http://schemas.microsoft.com/office/powerpoint/2010/main" val="4264414276"/>
       </p:ext>
     </p:extLst>
   </p:cSld>
@@ -1360,7 +1377,7 @@
             <a:fld id="{51E4D158-6E65-44D2-8A8C-4515582E3B34}" type="datetimeFigureOut">
               <a:rPr lang="cs-CZ" smtClean="0"/>
               <a:pPr/>
-              <a:t>10.12.2017</a:t>
+              <a:t>11.12.2017</a:t>
             </a:fld>
             <a:endParaRPr lang="cs-CZ"/>
           </a:p>
@@ -1412,7 +1429,7 @@
     </p:spTree>
     <p:extLst>
       <p:ext uri="{BB962C8B-B14F-4D97-AF65-F5344CB8AC3E}">
-        <p14:creationId xmlns:p14="http://schemas.microsoft.com/office/powerpoint/2010/main" xmlns="" val="1590899038"/>
+        <p14:creationId xmlns:p14="http://schemas.microsoft.com/office/powerpoint/2010/main" val="1590899038"/>
       </p:ext>
     </p:extLst>
   </p:cSld>
@@ -1784,7 +1801,7 @@
             <a:fld id="{51E4D158-6E65-44D2-8A8C-4515582E3B34}" type="datetimeFigureOut">
               <a:rPr lang="cs-CZ" smtClean="0"/>
               <a:pPr/>
-              <a:t>10.12.2017</a:t>
+              <a:t>11.12.2017</a:t>
             </a:fld>
             <a:endParaRPr lang="cs-CZ"/>
           </a:p>
@@ -1836,7 +1853,7 @@
     </p:spTree>
     <p:extLst>
       <p:ext uri="{BB962C8B-B14F-4D97-AF65-F5344CB8AC3E}">
-        <p14:creationId xmlns:p14="http://schemas.microsoft.com/office/powerpoint/2010/main" xmlns="" val="1747227773"/>
+        <p14:creationId xmlns:p14="http://schemas.microsoft.com/office/powerpoint/2010/main" val="1747227773"/>
       </p:ext>
     </p:extLst>
   </p:cSld>
@@ -1904,7 +1921,7 @@
             <a:fld id="{51E4D158-6E65-44D2-8A8C-4515582E3B34}" type="datetimeFigureOut">
               <a:rPr lang="cs-CZ" smtClean="0"/>
               <a:pPr/>
-              <a:t>10.12.2017</a:t>
+              <a:t>11.12.2017</a:t>
             </a:fld>
             <a:endParaRPr lang="cs-CZ"/>
           </a:p>
@@ -1956,7 +1973,7 @@
     </p:spTree>
     <p:extLst>
       <p:ext uri="{BB962C8B-B14F-4D97-AF65-F5344CB8AC3E}">
-        <p14:creationId xmlns:p14="http://schemas.microsoft.com/office/powerpoint/2010/main" xmlns="" val="3763459529"/>
+        <p14:creationId xmlns:p14="http://schemas.microsoft.com/office/powerpoint/2010/main" val="3763459529"/>
       </p:ext>
     </p:extLst>
   </p:cSld>
@@ -2001,7 +2018,7 @@
             <a:fld id="{51E4D158-6E65-44D2-8A8C-4515582E3B34}" type="datetimeFigureOut">
               <a:rPr lang="cs-CZ" smtClean="0"/>
               <a:pPr/>
-              <a:t>10.12.2017</a:t>
+              <a:t>11.12.2017</a:t>
             </a:fld>
             <a:endParaRPr lang="cs-CZ"/>
           </a:p>
@@ -2053,7 +2070,7 @@
     </p:spTree>
     <p:extLst>
       <p:ext uri="{BB962C8B-B14F-4D97-AF65-F5344CB8AC3E}">
-        <p14:creationId xmlns:p14="http://schemas.microsoft.com/office/powerpoint/2010/main" xmlns="" val="1968563112"/>
+        <p14:creationId xmlns:p14="http://schemas.microsoft.com/office/powerpoint/2010/main" val="1968563112"/>
       </p:ext>
     </p:extLst>
   </p:cSld>
@@ -2280,7 +2297,7 @@
             <a:fld id="{51E4D158-6E65-44D2-8A8C-4515582E3B34}" type="datetimeFigureOut">
               <a:rPr lang="cs-CZ" smtClean="0"/>
               <a:pPr/>
-              <a:t>10.12.2017</a:t>
+              <a:t>11.12.2017</a:t>
             </a:fld>
             <a:endParaRPr lang="cs-CZ"/>
           </a:p>
@@ -2332,7 +2349,7 @@
     </p:spTree>
     <p:extLst>
       <p:ext uri="{BB962C8B-B14F-4D97-AF65-F5344CB8AC3E}">
-        <p14:creationId xmlns:p14="http://schemas.microsoft.com/office/powerpoint/2010/main" xmlns="" val="2463812957"/>
+        <p14:creationId xmlns:p14="http://schemas.microsoft.com/office/powerpoint/2010/main" val="2463812957"/>
       </p:ext>
     </p:extLst>
   </p:cSld>
@@ -2535,7 +2552,7 @@
             <a:fld id="{51E4D158-6E65-44D2-8A8C-4515582E3B34}" type="datetimeFigureOut">
               <a:rPr lang="cs-CZ" smtClean="0"/>
               <a:pPr/>
-              <a:t>10.12.2017</a:t>
+              <a:t>11.12.2017</a:t>
             </a:fld>
             <a:endParaRPr lang="cs-CZ"/>
           </a:p>
@@ -2587,7 +2604,7 @@
     </p:spTree>
     <p:extLst>
       <p:ext uri="{BB962C8B-B14F-4D97-AF65-F5344CB8AC3E}">
-        <p14:creationId xmlns:p14="http://schemas.microsoft.com/office/powerpoint/2010/main" xmlns="" val="2616179907"/>
+        <p14:creationId xmlns:p14="http://schemas.microsoft.com/office/powerpoint/2010/main" val="2616179907"/>
       </p:ext>
     </p:extLst>
   </p:cSld>
@@ -2750,7 +2767,7 @@
             <a:fld id="{51E4D158-6E65-44D2-8A8C-4515582E3B34}" type="datetimeFigureOut">
               <a:rPr lang="cs-CZ" smtClean="0"/>
               <a:pPr/>
-              <a:t>10.12.2017</a:t>
+              <a:t>11.12.2017</a:t>
             </a:fld>
             <a:endParaRPr lang="cs-CZ"/>
           </a:p>
@@ -2838,7 +2855,7 @@
     </p:spTree>
     <p:extLst>
       <p:ext uri="{BB962C8B-B14F-4D97-AF65-F5344CB8AC3E}">
-        <p14:creationId xmlns:p14="http://schemas.microsoft.com/office/powerpoint/2010/main" xmlns="" val="614861939"/>
+        <p14:creationId xmlns:p14="http://schemas.microsoft.com/office/powerpoint/2010/main" val="614861939"/>
       </p:ext>
     </p:extLst>
   </p:cSld>
@@ -3179,11 +3196,7 @@
           <a:p>
             <a:r>
               <a:rPr lang="cs-CZ" dirty="0" smtClean="0"/>
-              <a:t>Michal Novák, Karel </a:t>
-            </a:r>
-            <a:r>
-              <a:rPr lang="cs-CZ" dirty="0" smtClean="0"/>
-              <a:t>Kašpárek, </a:t>
+              <a:t>Michal Novák, Karel Kašpárek, </a:t>
             </a:r>
           </a:p>
           <a:p>
@@ -3198,7 +3211,7 @@
     </p:spTree>
     <p:extLst>
       <p:ext uri="{BB962C8B-B14F-4D97-AF65-F5344CB8AC3E}">
-        <p14:creationId xmlns:p14="http://schemas.microsoft.com/office/powerpoint/2010/main" xmlns="" val="3381231570"/>
+        <p14:creationId xmlns:p14="http://schemas.microsoft.com/office/powerpoint/2010/main" val="3381231570"/>
       </p:ext>
     </p:extLst>
   </p:cSld>
@@ -3410,7 +3423,7 @@
     </p:spTree>
     <p:extLst>
       <p:ext uri="{BB962C8B-B14F-4D97-AF65-F5344CB8AC3E}">
-        <p14:creationId xmlns:p14="http://schemas.microsoft.com/office/powerpoint/2010/main" xmlns="" val="3404612889"/>
+        <p14:creationId xmlns:p14="http://schemas.microsoft.com/office/powerpoint/2010/main" val="3404612889"/>
       </p:ext>
     </p:extLst>
   </p:cSld>
@@ -3583,7 +3596,7 @@
     </p:spTree>
     <p:extLst>
       <p:ext uri="{BB962C8B-B14F-4D97-AF65-F5344CB8AC3E}">
-        <p14:creationId xmlns:p14="http://schemas.microsoft.com/office/powerpoint/2010/main" xmlns="" val="1327026969"/>
+        <p14:creationId xmlns:p14="http://schemas.microsoft.com/office/powerpoint/2010/main" val="1327026969"/>
       </p:ext>
     </p:extLst>
   </p:cSld>
@@ -3752,7 +3765,7 @@
     </p:spTree>
     <p:extLst>
       <p:ext uri="{BB962C8B-B14F-4D97-AF65-F5344CB8AC3E}">
-        <p14:creationId xmlns:p14="http://schemas.microsoft.com/office/powerpoint/2010/main" xmlns="" val="3184123575"/>
+        <p14:creationId xmlns:p14="http://schemas.microsoft.com/office/powerpoint/2010/main" val="3184123575"/>
       </p:ext>
     </p:extLst>
   </p:cSld>
@@ -3839,15 +3852,7 @@
           <a:p>
             <a:r>
               <a:rPr lang="cs-CZ" dirty="0" smtClean="0"/>
-              <a:t>Generické typy představují parametrizované definice třídy typu </a:t>
-            </a:r>
-            <a:r>
-              <a:rPr lang="cs-CZ" dirty="0" smtClean="0"/>
-              <a:t>nějaké </a:t>
-            </a:r>
-            <a:r>
-              <a:rPr lang="cs-CZ" dirty="0" smtClean="0"/>
-              <a:t>datové položky </a:t>
+              <a:t>Generické typy představují parametrizované definice třídy typu nějaké datové položky </a:t>
             </a:r>
           </a:p>
           <a:p>
@@ -3892,7 +3897,7 @@
     </p:spTree>
     <p:extLst>
       <p:ext uri="{BB962C8B-B14F-4D97-AF65-F5344CB8AC3E}">
-        <p14:creationId xmlns:p14="http://schemas.microsoft.com/office/powerpoint/2010/main" xmlns="" val="2629096390"/>
+        <p14:creationId xmlns:p14="http://schemas.microsoft.com/office/powerpoint/2010/main" val="2629096390"/>
       </p:ext>
     </p:extLst>
   </p:cSld>
@@ -4110,11 +4115,7 @@
           <a:p>
             <a:r>
               <a:rPr lang="cs-CZ" dirty="0" err="1" smtClean="0"/>
-              <a:t>s</a:t>
-            </a:r>
-            <a:r>
-              <a:rPr lang="cs-CZ" dirty="0" err="1" smtClean="0"/>
-              <a:t>ize</a:t>
+              <a:t>size</a:t>
             </a:r>
             <a:r>
               <a:rPr lang="cs-CZ" dirty="0" smtClean="0"/>
@@ -4190,11 +4191,7 @@
           <a:p>
             <a:r>
               <a:rPr lang="cs-CZ" dirty="0" err="1" smtClean="0"/>
-              <a:t>c</a:t>
-            </a:r>
-            <a:r>
-              <a:rPr lang="cs-CZ" dirty="0" err="1" smtClean="0"/>
-              <a:t>ontains</a:t>
+              <a:t>contains</a:t>
             </a:r>
             <a:r>
               <a:rPr lang="cs-CZ" dirty="0" smtClean="0"/>
@@ -4411,6 +4408,81 @@
         </p:txBody>
       </p:sp>
     </p:spTree>
+  </p:cSld>
+  <p:clrMapOvr>
+    <a:masterClrMapping/>
+  </p:clrMapOvr>
+</p:sld>
+</file>
+
+<file path=ppt/slides/slide9.xml><?xml version="1.0" encoding="utf-8"?>
+<p:sld xmlns:a="http://schemas.openxmlformats.org/drawingml/2006/main" xmlns:r="http://schemas.openxmlformats.org/officeDocument/2006/relationships" xmlns:p="http://schemas.openxmlformats.org/presentationml/2006/main">
+  <p:cSld>
+    <p:spTree>
+      <p:nvGrpSpPr>
+        <p:cNvPr id="1" name=""/>
+        <p:cNvGrpSpPr/>
+        <p:nvPr/>
+      </p:nvGrpSpPr>
+      <p:grpSpPr>
+        <a:xfrm>
+          <a:off x="0" y="0"/>
+          <a:ext cx="0" cy="0"/>
+          <a:chOff x="0" y="0"/>
+          <a:chExt cx="0" cy="0"/>
+        </a:xfrm>
+      </p:grpSpPr>
+      <p:sp>
+        <p:nvSpPr>
+          <p:cNvPr id="2" name="Nadpis 1"/>
+          <p:cNvSpPr>
+            <a:spLocks noGrp="1"/>
+          </p:cNvSpPr>
+          <p:nvPr>
+            <p:ph type="title"/>
+          </p:nvPr>
+        </p:nvSpPr>
+        <p:spPr/>
+        <p:txBody>
+          <a:bodyPr/>
+          <a:lstStyle/>
+          <a:p>
+            <a:r>
+              <a:rPr lang="cs-CZ" dirty="0" smtClean="0"/>
+              <a:t>Zdroje</a:t>
+            </a:r>
+            <a:endParaRPr lang="cs-CZ" dirty="0"/>
+          </a:p>
+        </p:txBody>
+      </p:sp>
+      <p:sp>
+        <p:nvSpPr>
+          <p:cNvPr id="3" name="Zástupný symbol pro obsah 2"/>
+          <p:cNvSpPr>
+            <a:spLocks noGrp="1"/>
+          </p:cNvSpPr>
+          <p:nvPr>
+            <p:ph idx="1"/>
+          </p:nvPr>
+        </p:nvSpPr>
+        <p:spPr/>
+        <p:txBody>
+          <a:bodyPr/>
+          <a:lstStyle/>
+          <a:p>
+            <a:r>
+              <a:rPr lang="cs-CZ" dirty="0"/>
+              <a:t>https://docs.oracle.com</a:t>
+            </a:r>
+          </a:p>
+        </p:txBody>
+      </p:sp>
+    </p:spTree>
+    <p:extLst>
+      <p:ext uri="{BB962C8B-B14F-4D97-AF65-F5344CB8AC3E}">
+        <p14:creationId xmlns:p14="http://schemas.microsoft.com/office/powerpoint/2010/main" val="1760918661"/>
+      </p:ext>
+    </p:extLst>
   </p:cSld>
   <p:clrMapOvr>
     <a:masterClrMapping/>

--- a/java.pptx
+++ b/java.pptx
@@ -3306,8 +3306,13 @@
           <a:p>
             <a:r>
               <a:rPr lang="cs-CZ" dirty="0" smtClean="0"/>
-              <a:t>Kromě pole v Javě existují i jiné objekty na ukládání více hodnot - tzn. kontejnery, viz dále</a:t>
-            </a:r>
+              <a:t>Kromě pole v Javě existují i jiné objekty na ukládání více hodnot - tzn. </a:t>
+            </a:r>
+            <a:r>
+              <a:rPr lang="cs-CZ" dirty="0" smtClean="0"/>
+              <a:t>kontejnery</a:t>
+            </a:r>
+            <a:endParaRPr lang="cs-CZ" dirty="0" smtClean="0"/>
           </a:p>
           <a:p>
             <a:r>
